--- a/1205Report/1205Report.pptx
+++ b/1205Report/1205Report.pptx
@@ -6825,7 +6825,7 @@
           <a:p>
             <a:fld id="{5473FFFC-5309-4241-94A3-2835CCE7E359}" type="datetimeFigureOut">
               <a:rPr lang="ko-KR" altLang="en-US" smtClean="0"/>
-              <a:t>2023-12-05</a:t>
+              <a:t>2023-12-06</a:t>
             </a:fld>
             <a:endParaRPr lang="ko-KR" altLang="en-US"/>
           </a:p>
@@ -7002,7 +7002,7 @@
           <a:p>
             <a:fld id="{94536C0C-A75A-4BCF-89ED-59C385AFF302}" type="datetimeFigureOut">
               <a:rPr lang="ko-KR" altLang="en-US" smtClean="0"/>
-              <a:t>2023-12-05</a:t>
+              <a:t>2023-12-06</a:t>
             </a:fld>
             <a:endParaRPr lang="ko-KR" altLang="en-US"/>
           </a:p>
@@ -7416,7 +7416,7 @@
           <a:p>
             <a:fld id="{F144F628-114F-4AEE-9B49-C7D08DEC67B6}" type="datetimeFigureOut">
               <a:rPr lang="ko-KR" altLang="en-US" smtClean="0"/>
-              <a:t>2023-12-05</a:t>
+              <a:t>2023-12-06</a:t>
             </a:fld>
             <a:endParaRPr lang="ko-KR" altLang="en-US"/>
           </a:p>
@@ -7614,7 +7614,7 @@
           <a:p>
             <a:fld id="{F144F628-114F-4AEE-9B49-C7D08DEC67B6}" type="datetimeFigureOut">
               <a:rPr lang="ko-KR" altLang="en-US" smtClean="0"/>
-              <a:t>2023-12-05</a:t>
+              <a:t>2023-12-06</a:t>
             </a:fld>
             <a:endParaRPr lang="ko-KR" altLang="en-US"/>
           </a:p>
@@ -7822,7 +7822,7 @@
           <a:p>
             <a:fld id="{F144F628-114F-4AEE-9B49-C7D08DEC67B6}" type="datetimeFigureOut">
               <a:rPr lang="ko-KR" altLang="en-US" smtClean="0"/>
-              <a:t>2023-12-05</a:t>
+              <a:t>2023-12-06</a:t>
             </a:fld>
             <a:endParaRPr lang="ko-KR" altLang="en-US"/>
           </a:p>
@@ -8078,7 +8078,7 @@
           <a:p>
             <a:fld id="{F144F628-114F-4AEE-9B49-C7D08DEC67B6}" type="datetimeFigureOut">
               <a:rPr lang="ko-KR" altLang="en-US" smtClean="0"/>
-              <a:t>2023-12-05</a:t>
+              <a:t>2023-12-06</a:t>
             </a:fld>
             <a:endParaRPr lang="ko-KR" altLang="en-US"/>
           </a:p>
@@ -8458,7 +8458,7 @@
           <a:p>
             <a:fld id="{F144F628-114F-4AEE-9B49-C7D08DEC67B6}" type="datetimeFigureOut">
               <a:rPr lang="ko-KR" altLang="en-US" smtClean="0"/>
-              <a:t>2023-12-05</a:t>
+              <a:t>2023-12-06</a:t>
             </a:fld>
             <a:endParaRPr lang="ko-KR" altLang="en-US"/>
           </a:p>
@@ -8723,7 +8723,7 @@
           <a:p>
             <a:fld id="{F144F628-114F-4AEE-9B49-C7D08DEC67B6}" type="datetimeFigureOut">
               <a:rPr lang="ko-KR" altLang="en-US" smtClean="0"/>
-              <a:t>2023-12-05</a:t>
+              <a:t>2023-12-06</a:t>
             </a:fld>
             <a:endParaRPr lang="ko-KR" altLang="en-US"/>
           </a:p>
@@ -9135,7 +9135,7 @@
           <a:p>
             <a:fld id="{F144F628-114F-4AEE-9B49-C7D08DEC67B6}" type="datetimeFigureOut">
               <a:rPr lang="ko-KR" altLang="en-US" smtClean="0"/>
-              <a:t>2023-12-05</a:t>
+              <a:t>2023-12-06</a:t>
             </a:fld>
             <a:endParaRPr lang="ko-KR" altLang="en-US"/>
           </a:p>
@@ -9276,7 +9276,7 @@
           <a:p>
             <a:fld id="{F144F628-114F-4AEE-9B49-C7D08DEC67B6}" type="datetimeFigureOut">
               <a:rPr lang="ko-KR" altLang="en-US" smtClean="0"/>
-              <a:t>2023-12-05</a:t>
+              <a:t>2023-12-06</a:t>
             </a:fld>
             <a:endParaRPr lang="ko-KR" altLang="en-US"/>
           </a:p>
@@ -9389,7 +9389,7 @@
           <a:p>
             <a:fld id="{F144F628-114F-4AEE-9B49-C7D08DEC67B6}" type="datetimeFigureOut">
               <a:rPr lang="ko-KR" altLang="en-US" smtClean="0"/>
-              <a:t>2023-12-05</a:t>
+              <a:t>2023-12-06</a:t>
             </a:fld>
             <a:endParaRPr lang="ko-KR" altLang="en-US"/>
           </a:p>
@@ -9700,7 +9700,7 @@
           <a:p>
             <a:fld id="{F144F628-114F-4AEE-9B49-C7D08DEC67B6}" type="datetimeFigureOut">
               <a:rPr lang="ko-KR" altLang="en-US" smtClean="0"/>
-              <a:t>2023-12-05</a:t>
+              <a:t>2023-12-06</a:t>
             </a:fld>
             <a:endParaRPr lang="ko-KR" altLang="en-US"/>
           </a:p>
@@ -9988,7 +9988,7 @@
           <a:p>
             <a:fld id="{F144F628-114F-4AEE-9B49-C7D08DEC67B6}" type="datetimeFigureOut">
               <a:rPr lang="ko-KR" altLang="en-US" smtClean="0"/>
-              <a:t>2023-12-05</a:t>
+              <a:t>2023-12-06</a:t>
             </a:fld>
             <a:endParaRPr lang="ko-KR" altLang="en-US"/>
           </a:p>
@@ -10229,7 +10229,7 @@
           <a:p>
             <a:fld id="{F144F628-114F-4AEE-9B49-C7D08DEC67B6}" type="datetimeFigureOut">
               <a:rPr lang="ko-KR" altLang="en-US" smtClean="0"/>
-              <a:t>2023-12-05</a:t>
+              <a:t>2023-12-06</a:t>
             </a:fld>
             <a:endParaRPr lang="ko-KR" altLang="en-US"/>
           </a:p>
@@ -11125,82 +11125,6 @@
       </p:sp>
       <p:sp>
         <p:nvSpPr>
-          <p:cNvPr id="7" name="TextBox 6">
-            <a:extLst>
-              <a:ext uri="{FF2B5EF4-FFF2-40B4-BE49-F238E27FC236}">
-                <a16:creationId xmlns:a16="http://schemas.microsoft.com/office/drawing/2014/main" id="{D54C5151-FAC5-A8FA-3306-12519741F9CA}"/>
-              </a:ext>
-            </a:extLst>
-          </p:cNvPr>
-          <p:cNvSpPr txBox="1"/>
-          <p:nvPr/>
-        </p:nvSpPr>
-        <p:spPr>
-          <a:xfrm>
-            <a:off x="128227" y="1102986"/>
-            <a:ext cx="2311980" cy="369332"/>
-          </a:xfrm>
-          <a:prstGeom prst="rect">
-            <a:avLst/>
-          </a:prstGeom>
-          <a:noFill/>
-        </p:spPr>
-        <p:txBody>
-          <a:bodyPr wrap="none" rtlCol="0">
-            <a:spAutoFit/>
-          </a:bodyPr>
-          <a:lstStyle/>
-          <a:p>
-            <a:r>
-              <a:rPr lang="en-US" altLang="ko-KR" dirty="0">
-                <a:latin typeface="KoPubWorld돋움체 Light" panose="00000300000000000000" pitchFamily="2" charset="-127"/>
-                <a:ea typeface="KoPubWorld돋움체 Light" panose="00000300000000000000" pitchFamily="2" charset="-127"/>
-                <a:cs typeface="KoPubWorld돋움체 Light" panose="00000300000000000000" pitchFamily="2" charset="-127"/>
-              </a:rPr>
-              <a:t>&lt;30</a:t>
-            </a:r>
-            <a:r>
-              <a:rPr lang="ko-KR" altLang="en-US" dirty="0">
-                <a:latin typeface="KoPubWorld돋움체 Light" panose="00000300000000000000" pitchFamily="2" charset="-127"/>
-                <a:ea typeface="KoPubWorld돋움체 Light" panose="00000300000000000000" pitchFamily="2" charset="-127"/>
-                <a:cs typeface="KoPubWorld돋움체 Light" panose="00000300000000000000" pitchFamily="2" charset="-127"/>
-              </a:rPr>
-              <a:t>만회 </a:t>
-            </a:r>
-            <a:r>
-              <a:rPr lang="en-US" altLang="ko-KR" dirty="0">
-                <a:latin typeface="KoPubWorld돋움체 Light" panose="00000300000000000000" pitchFamily="2" charset="-127"/>
-                <a:ea typeface="KoPubWorld돋움체 Light" panose="00000300000000000000" pitchFamily="2" charset="-127"/>
-                <a:cs typeface="KoPubWorld돋움체 Light" panose="00000300000000000000" pitchFamily="2" charset="-127"/>
-              </a:rPr>
-              <a:t>Pretrain</a:t>
-            </a:r>
-            <a:r>
-              <a:rPr lang="ko-KR" altLang="en-US" dirty="0">
-                <a:latin typeface="KoPubWorld돋움체 Light" panose="00000300000000000000" pitchFamily="2" charset="-127"/>
-                <a:ea typeface="KoPubWorld돋움체 Light" panose="00000300000000000000" pitchFamily="2" charset="-127"/>
-                <a:cs typeface="KoPubWorld돋움체 Light" panose="00000300000000000000" pitchFamily="2" charset="-127"/>
-              </a:rPr>
-              <a:t>결과</a:t>
-            </a:r>
-            <a:r>
-              <a:rPr lang="en-US" altLang="ko-KR" dirty="0">
-                <a:latin typeface="KoPubWorld돋움체 Light" panose="00000300000000000000" pitchFamily="2" charset="-127"/>
-                <a:ea typeface="KoPubWorld돋움체 Light" panose="00000300000000000000" pitchFamily="2" charset="-127"/>
-                <a:cs typeface="KoPubWorld돋움체 Light" panose="00000300000000000000" pitchFamily="2" charset="-127"/>
-              </a:rPr>
-              <a:t>&gt;</a:t>
-            </a:r>
-            <a:endParaRPr lang="ko-KR" altLang="en-US" dirty="0">
-              <a:latin typeface="KoPubWorld돋움체 Light" panose="00000300000000000000" pitchFamily="2" charset="-127"/>
-              <a:ea typeface="KoPubWorld돋움체 Light" panose="00000300000000000000" pitchFamily="2" charset="-127"/>
-              <a:cs typeface="KoPubWorld돋움체 Light" panose="00000300000000000000" pitchFamily="2" charset="-127"/>
-            </a:endParaRPr>
-          </a:p>
-        </p:txBody>
-      </p:sp>
-      <p:sp>
-        <p:nvSpPr>
           <p:cNvPr id="3" name="TextBox 2">
             <a:extLst>
               <a:ext uri="{FF2B5EF4-FFF2-40B4-BE49-F238E27FC236}">
@@ -11214,7 +11138,7 @@
         <p:spPr>
           <a:xfrm>
             <a:off x="128227" y="1625734"/>
-            <a:ext cx="8561959" cy="923330"/>
+            <a:ext cx="10179518" cy="3970318"/>
           </a:xfrm>
           <a:prstGeom prst="rect">
             <a:avLst/>
@@ -11233,6 +11157,29 @@
                 <a:ea typeface="KoPubWorld돋움체 Light" panose="00000300000000000000" pitchFamily="2" charset="-127"/>
                 <a:cs typeface="KoPubWorld돋움체 Light" panose="00000300000000000000" pitchFamily="2" charset="-127"/>
               </a:rPr>
+              <a:t>1. Pretrain</a:t>
+            </a:r>
+            <a:r>
+              <a:rPr lang="ko-KR" altLang="en-US" dirty="0">
+                <a:latin typeface="KoPubWorld돋움체 Light" panose="00000300000000000000" pitchFamily="2" charset="-127"/>
+                <a:ea typeface="KoPubWorld돋움체 Light" panose="00000300000000000000" pitchFamily="2" charset="-127"/>
+                <a:cs typeface="KoPubWorld돋움체 Light" panose="00000300000000000000" pitchFamily="2" charset="-127"/>
+              </a:rPr>
+              <a:t>의 효과</a:t>
+            </a:r>
+            <a:endParaRPr lang="en-US" altLang="ko-KR" dirty="0">
+              <a:latin typeface="KoPubWorld돋움체 Light" panose="00000300000000000000" pitchFamily="2" charset="-127"/>
+              <a:ea typeface="KoPubWorld돋움체 Light" panose="00000300000000000000" pitchFamily="2" charset="-127"/>
+              <a:cs typeface="KoPubWorld돋움체 Light" panose="00000300000000000000" pitchFamily="2" charset="-127"/>
+            </a:endParaRPr>
+          </a:p>
+          <a:p>
+            <a:r>
+              <a:rPr lang="en-US" altLang="ko-KR" dirty="0">
+                <a:latin typeface="KoPubWorld돋움체 Light" panose="00000300000000000000" pitchFamily="2" charset="-127"/>
+                <a:ea typeface="KoPubWorld돋움체 Light" panose="00000300000000000000" pitchFamily="2" charset="-127"/>
+                <a:cs typeface="KoPubWorld돋움체 Light" panose="00000300000000000000" pitchFamily="2" charset="-127"/>
+              </a:rPr>
               <a:t>3</a:t>
             </a:r>
             <a:r>
@@ -11420,6 +11367,364 @@
               </a:rPr>
               <a:t>200 fps)</a:t>
             </a:r>
+          </a:p>
+          <a:p>
+            <a:endParaRPr lang="en-US" altLang="ko-KR" dirty="0">
+              <a:latin typeface="KoPubWorld돋움체 Light" panose="00000300000000000000" pitchFamily="2" charset="-127"/>
+              <a:ea typeface="KoPubWorld돋움체 Light" panose="00000300000000000000" pitchFamily="2" charset="-127"/>
+              <a:cs typeface="KoPubWorld돋움체 Light" panose="00000300000000000000" pitchFamily="2" charset="-127"/>
+            </a:endParaRPr>
+          </a:p>
+          <a:p>
+            <a:r>
+              <a:rPr lang="en-US" altLang="ko-KR" dirty="0">
+                <a:latin typeface="KoPubWorld돋움체 Light" panose="00000300000000000000" pitchFamily="2" charset="-127"/>
+                <a:ea typeface="KoPubWorld돋움체 Light" panose="00000300000000000000" pitchFamily="2" charset="-127"/>
+                <a:cs typeface="KoPubWorld돋움체 Light" panose="00000300000000000000" pitchFamily="2" charset="-127"/>
+              </a:rPr>
+              <a:t>2. Pretrain </a:t>
+            </a:r>
+            <a:r>
+              <a:rPr lang="ko-KR" altLang="en-US" dirty="0">
+                <a:latin typeface="KoPubWorld돋움체 Light" panose="00000300000000000000" pitchFamily="2" charset="-127"/>
+                <a:ea typeface="KoPubWorld돋움체 Light" panose="00000300000000000000" pitchFamily="2" charset="-127"/>
+                <a:cs typeface="KoPubWorld돋움체 Light" panose="00000300000000000000" pitchFamily="2" charset="-127"/>
+              </a:rPr>
+              <a:t>횟수 변경 테스트 결과</a:t>
+            </a:r>
+            <a:endParaRPr lang="en-US" altLang="ko-KR" dirty="0">
+              <a:latin typeface="KoPubWorld돋움체 Light" panose="00000300000000000000" pitchFamily="2" charset="-127"/>
+              <a:ea typeface="KoPubWorld돋움체 Light" panose="00000300000000000000" pitchFamily="2" charset="-127"/>
+              <a:cs typeface="KoPubWorld돋움체 Light" panose="00000300000000000000" pitchFamily="2" charset="-127"/>
+            </a:endParaRPr>
+          </a:p>
+          <a:p>
+            <a:r>
+              <a:rPr lang="ko-KR" altLang="en-US" dirty="0">
+                <a:latin typeface="KoPubWorld돋움체 Light" panose="00000300000000000000" pitchFamily="2" charset="-127"/>
+                <a:ea typeface="KoPubWorld돋움체 Light" panose="00000300000000000000" pitchFamily="2" charset="-127"/>
+                <a:cs typeface="KoPubWorld돋움체 Light" panose="00000300000000000000" pitchFamily="2" charset="-127"/>
+              </a:rPr>
+              <a:t>버퍼사이즈</a:t>
+            </a:r>
+            <a:r>
+              <a:rPr lang="en-US" altLang="ko-KR" dirty="0">
+                <a:latin typeface="KoPubWorld돋움체 Light" panose="00000300000000000000" pitchFamily="2" charset="-127"/>
+                <a:ea typeface="KoPubWorld돋움체 Light" panose="00000300000000000000" pitchFamily="2" charset="-127"/>
+                <a:cs typeface="KoPubWorld돋움체 Light" panose="00000300000000000000" pitchFamily="2" charset="-127"/>
+              </a:rPr>
+              <a:t>: 10</a:t>
+            </a:r>
+            <a:r>
+              <a:rPr lang="ko-KR" altLang="en-US" dirty="0">
+                <a:latin typeface="KoPubWorld돋움체 Light" panose="00000300000000000000" pitchFamily="2" charset="-127"/>
+                <a:ea typeface="KoPubWorld돋움체 Light" panose="00000300000000000000" pitchFamily="2" charset="-127"/>
+                <a:cs typeface="KoPubWorld돋움체 Light" panose="00000300000000000000" pitchFamily="2" charset="-127"/>
+              </a:rPr>
+              <a:t>만회</a:t>
+            </a:r>
+            <a:endParaRPr lang="en-US" altLang="ko-KR" dirty="0">
+              <a:latin typeface="KoPubWorld돋움체 Light" panose="00000300000000000000" pitchFamily="2" charset="-127"/>
+              <a:ea typeface="KoPubWorld돋움체 Light" panose="00000300000000000000" pitchFamily="2" charset="-127"/>
+              <a:cs typeface="KoPubWorld돋움체 Light" panose="00000300000000000000" pitchFamily="2" charset="-127"/>
+            </a:endParaRPr>
+          </a:p>
+          <a:p>
+            <a:r>
+              <a:rPr lang="en-US" altLang="ko-KR" dirty="0">
+                <a:latin typeface="KoPubWorld돋움체 Light" panose="00000300000000000000" pitchFamily="2" charset="-127"/>
+                <a:ea typeface="KoPubWorld돋움체 Light" panose="00000300000000000000" pitchFamily="2" charset="-127"/>
+                <a:cs typeface="KoPubWorld돋움체 Light" panose="00000300000000000000" pitchFamily="2" charset="-127"/>
+              </a:rPr>
+              <a:t>50</a:t>
+            </a:r>
+            <a:r>
+              <a:rPr lang="ko-KR" altLang="en-US" dirty="0">
+                <a:latin typeface="KoPubWorld돋움체 Light" panose="00000300000000000000" pitchFamily="2" charset="-127"/>
+                <a:ea typeface="KoPubWorld돋움체 Light" panose="00000300000000000000" pitchFamily="2" charset="-127"/>
+                <a:cs typeface="KoPubWorld돋움체 Light" panose="00000300000000000000" pitchFamily="2" charset="-127"/>
+              </a:rPr>
+              <a:t>만회 </a:t>
+            </a:r>
+            <a:r>
+              <a:rPr lang="en-US" altLang="ko-KR" dirty="0">
+                <a:latin typeface="KoPubWorld돋움체 Light" panose="00000300000000000000" pitchFamily="2" charset="-127"/>
+                <a:ea typeface="KoPubWorld돋움체 Light" panose="00000300000000000000" pitchFamily="2" charset="-127"/>
+                <a:cs typeface="KoPubWorld돋움체 Light" panose="00000300000000000000" pitchFamily="2" charset="-127"/>
+              </a:rPr>
+              <a:t>Pretrain </a:t>
+            </a:r>
+            <a:r>
+              <a:rPr lang="ko-KR" altLang="en-US" dirty="0">
+                <a:latin typeface="KoPubWorld돋움체 Light" panose="00000300000000000000" pitchFamily="2" charset="-127"/>
+                <a:ea typeface="KoPubWorld돋움체 Light" panose="00000300000000000000" pitchFamily="2" charset="-127"/>
+                <a:cs typeface="KoPubWorld돋움체 Light" panose="00000300000000000000" pitchFamily="2" charset="-127"/>
+              </a:rPr>
+              <a:t>결과 </a:t>
+            </a:r>
+            <a:r>
+              <a:rPr lang="en-US" altLang="ko-KR" dirty="0">
+                <a:latin typeface="KoPubWorld돋움체 Light" panose="00000300000000000000" pitchFamily="2" charset="-127"/>
+                <a:ea typeface="KoPubWorld돋움체 Light" panose="00000300000000000000" pitchFamily="2" charset="-127"/>
+                <a:cs typeface="KoPubWorld돋움체 Light" panose="00000300000000000000" pitchFamily="2" charset="-127"/>
+              </a:rPr>
+              <a:t>&gt; 30</a:t>
+            </a:r>
+            <a:r>
+              <a:rPr lang="ko-KR" altLang="en-US" dirty="0">
+                <a:latin typeface="KoPubWorld돋움체 Light" panose="00000300000000000000" pitchFamily="2" charset="-127"/>
+                <a:ea typeface="KoPubWorld돋움체 Light" panose="00000300000000000000" pitchFamily="2" charset="-127"/>
+                <a:cs typeface="KoPubWorld돋움체 Light" panose="00000300000000000000" pitchFamily="2" charset="-127"/>
+              </a:rPr>
+              <a:t>만회 </a:t>
+            </a:r>
+            <a:r>
+              <a:rPr lang="en-US" altLang="ko-KR" dirty="0">
+                <a:latin typeface="KoPubWorld돋움체 Light" panose="00000300000000000000" pitchFamily="2" charset="-127"/>
+                <a:ea typeface="KoPubWorld돋움체 Light" panose="00000300000000000000" pitchFamily="2" charset="-127"/>
+                <a:cs typeface="KoPubWorld돋움체 Light" panose="00000300000000000000" pitchFamily="2" charset="-127"/>
+              </a:rPr>
+              <a:t>Pretrain </a:t>
+            </a:r>
+            <a:r>
+              <a:rPr lang="ko-KR" altLang="en-US" dirty="0">
+                <a:latin typeface="KoPubWorld돋움체 Light" panose="00000300000000000000" pitchFamily="2" charset="-127"/>
+                <a:ea typeface="KoPubWorld돋움체 Light" panose="00000300000000000000" pitchFamily="2" charset="-127"/>
+                <a:cs typeface="KoPubWorld돋움체 Light" panose="00000300000000000000" pitchFamily="2" charset="-127"/>
+              </a:rPr>
+              <a:t>결과 </a:t>
+            </a:r>
+            <a:r>
+              <a:rPr lang="en-US" altLang="ko-KR" dirty="0">
+                <a:latin typeface="KoPubWorld돋움체 Light" panose="00000300000000000000" pitchFamily="2" charset="-127"/>
+                <a:ea typeface="KoPubWorld돋움체 Light" panose="00000300000000000000" pitchFamily="2" charset="-127"/>
+                <a:cs typeface="KoPubWorld돋움체 Light" panose="00000300000000000000" pitchFamily="2" charset="-127"/>
+              </a:rPr>
+              <a:t>&gt; 10</a:t>
+            </a:r>
+            <a:r>
+              <a:rPr lang="ko-KR" altLang="en-US" dirty="0">
+                <a:latin typeface="KoPubWorld돋움체 Light" panose="00000300000000000000" pitchFamily="2" charset="-127"/>
+                <a:ea typeface="KoPubWorld돋움체 Light" panose="00000300000000000000" pitchFamily="2" charset="-127"/>
+                <a:cs typeface="KoPubWorld돋움체 Light" panose="00000300000000000000" pitchFamily="2" charset="-127"/>
+              </a:rPr>
+              <a:t>만회 </a:t>
+            </a:r>
+            <a:r>
+              <a:rPr lang="en-US" altLang="ko-KR" dirty="0">
+                <a:latin typeface="KoPubWorld돋움체 Light" panose="00000300000000000000" pitchFamily="2" charset="-127"/>
+                <a:ea typeface="KoPubWorld돋움체 Light" panose="00000300000000000000" pitchFamily="2" charset="-127"/>
+                <a:cs typeface="KoPubWorld돋움체 Light" panose="00000300000000000000" pitchFamily="2" charset="-127"/>
+              </a:rPr>
+              <a:t>Pretrain</a:t>
+            </a:r>
+            <a:r>
+              <a:rPr lang="ko-KR" altLang="en-US" dirty="0">
+                <a:latin typeface="KoPubWorld돋움체 Light" panose="00000300000000000000" pitchFamily="2" charset="-127"/>
+                <a:ea typeface="KoPubWorld돋움체 Light" panose="00000300000000000000" pitchFamily="2" charset="-127"/>
+                <a:cs typeface="KoPubWorld돋움체 Light" panose="00000300000000000000" pitchFamily="2" charset="-127"/>
+              </a:rPr>
+              <a:t>결과</a:t>
+            </a:r>
+            <a:endParaRPr lang="en-US" altLang="ko-KR" dirty="0">
+              <a:latin typeface="KoPubWorld돋움체 Light" panose="00000300000000000000" pitchFamily="2" charset="-127"/>
+              <a:ea typeface="KoPubWorld돋움체 Light" panose="00000300000000000000" pitchFamily="2" charset="-127"/>
+              <a:cs typeface="KoPubWorld돋움체 Light" panose="00000300000000000000" pitchFamily="2" charset="-127"/>
+            </a:endParaRPr>
+          </a:p>
+          <a:p>
+            <a:pPr marL="285750" indent="-285750">
+              <a:buFont typeface="Wingdings" panose="05000000000000000000" pitchFamily="2" charset="2"/>
+              <a:buChar char="è"/>
+            </a:pPr>
+            <a:r>
+              <a:rPr lang="en-US" altLang="ko-KR" dirty="0">
+                <a:latin typeface="KoPubWorld돋움체 Light" panose="00000300000000000000" pitchFamily="2" charset="-127"/>
+                <a:ea typeface="KoPubWorld돋움체 Light" panose="00000300000000000000" pitchFamily="2" charset="-127"/>
+                <a:cs typeface="KoPubWorld돋움체 Light" panose="00000300000000000000" pitchFamily="2" charset="-127"/>
+              </a:rPr>
+              <a:t>Pretrain</a:t>
+            </a:r>
+            <a:r>
+              <a:rPr lang="ko-KR" altLang="en-US" dirty="0">
+                <a:latin typeface="KoPubWorld돋움체 Light" panose="00000300000000000000" pitchFamily="2" charset="-127"/>
+                <a:ea typeface="KoPubWorld돋움체 Light" panose="00000300000000000000" pitchFamily="2" charset="-127"/>
+                <a:cs typeface="KoPubWorld돋움체 Light" panose="00000300000000000000" pitchFamily="2" charset="-127"/>
+              </a:rPr>
+              <a:t>의 횟수가 많을수록 더 뚜렷한 성능 향상을 보였음</a:t>
+            </a:r>
+            <a:r>
+              <a:rPr lang="en-US" altLang="ko-KR" dirty="0">
+                <a:latin typeface="KoPubWorld돋움체 Light" panose="00000300000000000000" pitchFamily="2" charset="-127"/>
+                <a:ea typeface="KoPubWorld돋움체 Light" panose="00000300000000000000" pitchFamily="2" charset="-127"/>
+                <a:cs typeface="KoPubWorld돋움체 Light" panose="00000300000000000000" pitchFamily="2" charset="-127"/>
+              </a:rPr>
+              <a:t>.</a:t>
+            </a:r>
+          </a:p>
+          <a:p>
+            <a:r>
+              <a:rPr lang="en-US" altLang="ko-KR" dirty="0">
+                <a:latin typeface="KoPubWorld돋움체 Light" panose="00000300000000000000" pitchFamily="2" charset="-127"/>
+                <a:ea typeface="KoPubWorld돋움체 Light" panose="00000300000000000000" pitchFamily="2" charset="-127"/>
+                <a:cs typeface="KoPubWorld돋움체 Light" panose="00000300000000000000" pitchFamily="2" charset="-127"/>
+              </a:rPr>
+              <a:t>(</a:t>
+            </a:r>
+            <a:r>
+              <a:rPr lang="ko-KR" altLang="en-US" dirty="0">
+                <a:latin typeface="KoPubWorld돋움체 Light" panose="00000300000000000000" pitchFamily="2" charset="-127"/>
+                <a:ea typeface="KoPubWorld돋움체 Light" panose="00000300000000000000" pitchFamily="2" charset="-127"/>
+                <a:cs typeface="KoPubWorld돋움체 Light" panose="00000300000000000000" pitchFamily="2" charset="-127"/>
+              </a:rPr>
+              <a:t>이때</a:t>
+            </a:r>
+            <a:r>
+              <a:rPr lang="en-US" altLang="ko-KR" dirty="0">
+                <a:latin typeface="KoPubWorld돋움체 Light" panose="00000300000000000000" pitchFamily="2" charset="-127"/>
+                <a:ea typeface="KoPubWorld돋움체 Light" panose="00000300000000000000" pitchFamily="2" charset="-127"/>
+                <a:cs typeface="KoPubWorld돋움체 Light" panose="00000300000000000000" pitchFamily="2" charset="-127"/>
+              </a:rPr>
+              <a:t>, pretrain </a:t>
+            </a:r>
+            <a:r>
+              <a:rPr lang="ko-KR" altLang="en-US" dirty="0">
+                <a:latin typeface="KoPubWorld돋움체 Light" panose="00000300000000000000" pitchFamily="2" charset="-127"/>
+                <a:ea typeface="KoPubWorld돋움체 Light" panose="00000300000000000000" pitchFamily="2" charset="-127"/>
+                <a:cs typeface="KoPubWorld돋움체 Light" panose="00000300000000000000" pitchFamily="2" charset="-127"/>
+              </a:rPr>
+              <a:t>결과는 </a:t>
+            </a:r>
+            <a:r>
+              <a:rPr lang="en-US" altLang="ko-KR" dirty="0">
+                <a:latin typeface="KoPubWorld돋움체 Light" panose="00000300000000000000" pitchFamily="2" charset="-127"/>
+                <a:ea typeface="KoPubWorld돋움체 Light" panose="00000300000000000000" pitchFamily="2" charset="-127"/>
+                <a:cs typeface="KoPubWorld돋움체 Light" panose="00000300000000000000" pitchFamily="2" charset="-127"/>
+              </a:rPr>
+              <a:t>pretrain </a:t>
+            </a:r>
+            <a:r>
+              <a:rPr lang="ko-KR" altLang="en-US" dirty="0">
+                <a:latin typeface="KoPubWorld돋움체 Light" panose="00000300000000000000" pitchFamily="2" charset="-127"/>
+                <a:ea typeface="KoPubWorld돋움체 Light" panose="00000300000000000000" pitchFamily="2" charset="-127"/>
+                <a:cs typeface="KoPubWorld돋움체 Light" panose="00000300000000000000" pitchFamily="2" charset="-127"/>
+              </a:rPr>
+              <a:t>직후의 결과를 비교하였음</a:t>
+            </a:r>
+            <a:r>
+              <a:rPr lang="en-US" altLang="ko-KR" dirty="0">
+                <a:latin typeface="KoPubWorld돋움체 Light" panose="00000300000000000000" pitchFamily="2" charset="-127"/>
+                <a:ea typeface="KoPubWorld돋움체 Light" panose="00000300000000000000" pitchFamily="2" charset="-127"/>
+                <a:cs typeface="KoPubWorld돋움체 Light" panose="00000300000000000000" pitchFamily="2" charset="-127"/>
+              </a:rPr>
+              <a:t>)</a:t>
+            </a:r>
+          </a:p>
+          <a:p>
+            <a:endParaRPr lang="en-US" altLang="ko-KR" dirty="0">
+              <a:latin typeface="KoPubWorld돋움체 Light" panose="00000300000000000000" pitchFamily="2" charset="-127"/>
+              <a:ea typeface="KoPubWorld돋움체 Light" panose="00000300000000000000" pitchFamily="2" charset="-127"/>
+              <a:cs typeface="KoPubWorld돋움체 Light" panose="00000300000000000000" pitchFamily="2" charset="-127"/>
+            </a:endParaRPr>
+          </a:p>
+          <a:p>
+            <a:r>
+              <a:rPr lang="en-US" altLang="ko-KR" dirty="0">
+                <a:latin typeface="KoPubWorld돋움체 Light" panose="00000300000000000000" pitchFamily="2" charset="-127"/>
+                <a:ea typeface="KoPubWorld돋움체 Light" panose="00000300000000000000" pitchFamily="2" charset="-127"/>
+                <a:cs typeface="KoPubWorld돋움체 Light" panose="00000300000000000000" pitchFamily="2" charset="-127"/>
+              </a:rPr>
+              <a:t>3. </a:t>
+            </a:r>
+            <a:r>
+              <a:rPr lang="ko-KR" altLang="en-US" dirty="0">
+                <a:latin typeface="KoPubWorld돋움체 Light" panose="00000300000000000000" pitchFamily="2" charset="-127"/>
+                <a:ea typeface="KoPubWorld돋움체 Light" panose="00000300000000000000" pitchFamily="2" charset="-127"/>
+                <a:cs typeface="KoPubWorld돋움체 Light" panose="00000300000000000000" pitchFamily="2" charset="-127"/>
+              </a:rPr>
+              <a:t>버퍼사이즈 변경 테스트 결과</a:t>
+            </a:r>
+            <a:endParaRPr lang="en-US" altLang="ko-KR" dirty="0">
+              <a:latin typeface="KoPubWorld돋움체 Light" panose="00000300000000000000" pitchFamily="2" charset="-127"/>
+              <a:ea typeface="KoPubWorld돋움체 Light" panose="00000300000000000000" pitchFamily="2" charset="-127"/>
+              <a:cs typeface="KoPubWorld돋움체 Light" panose="00000300000000000000" pitchFamily="2" charset="-127"/>
+            </a:endParaRPr>
+          </a:p>
+          <a:p>
+            <a:r>
+              <a:rPr lang="en-US" altLang="ko-KR">
+                <a:latin typeface="KoPubWorld돋움체 Light" panose="00000300000000000000" pitchFamily="2" charset="-127"/>
+                <a:ea typeface="KoPubWorld돋움체 Light" panose="00000300000000000000" pitchFamily="2" charset="-127"/>
+                <a:cs typeface="KoPubWorld돋움체 Light" panose="00000300000000000000" pitchFamily="2" charset="-127"/>
+              </a:rPr>
+              <a:t>Pretrain 30</a:t>
+            </a:r>
+            <a:r>
+              <a:rPr lang="ko-KR" altLang="en-US" dirty="0">
+                <a:latin typeface="KoPubWorld돋움체 Light" panose="00000300000000000000" pitchFamily="2" charset="-127"/>
+                <a:ea typeface="KoPubWorld돋움체 Light" panose="00000300000000000000" pitchFamily="2" charset="-127"/>
+                <a:cs typeface="KoPubWorld돋움체 Light" panose="00000300000000000000" pitchFamily="2" charset="-127"/>
+              </a:rPr>
+              <a:t>만회에 대하여</a:t>
+            </a:r>
+            <a:r>
+              <a:rPr lang="en-US" altLang="ko-KR" dirty="0">
+                <a:latin typeface="KoPubWorld돋움체 Light" panose="00000300000000000000" pitchFamily="2" charset="-127"/>
+                <a:ea typeface="KoPubWorld돋움체 Light" panose="00000300000000000000" pitchFamily="2" charset="-127"/>
+                <a:cs typeface="KoPubWorld돋움체 Light" panose="00000300000000000000" pitchFamily="2" charset="-127"/>
+              </a:rPr>
+              <a:t>, </a:t>
+            </a:r>
+            <a:r>
+              <a:rPr lang="ko-KR" altLang="en-US" dirty="0">
+                <a:latin typeface="KoPubWorld돋움체 Light" panose="00000300000000000000" pitchFamily="2" charset="-127"/>
+                <a:ea typeface="KoPubWorld돋움체 Light" panose="00000300000000000000" pitchFamily="2" charset="-127"/>
+                <a:cs typeface="KoPubWorld돋움체 Light" panose="00000300000000000000" pitchFamily="2" charset="-127"/>
+              </a:rPr>
+              <a:t>버퍼사이즈 </a:t>
+            </a:r>
+            <a:r>
+              <a:rPr lang="en-US" altLang="ko-KR" dirty="0">
+                <a:latin typeface="KoPubWorld돋움체 Light" panose="00000300000000000000" pitchFamily="2" charset="-127"/>
+                <a:ea typeface="KoPubWorld돋움체 Light" panose="00000300000000000000" pitchFamily="2" charset="-127"/>
+                <a:cs typeface="KoPubWorld돋움체 Light" panose="00000300000000000000" pitchFamily="2" charset="-127"/>
+              </a:rPr>
+              <a:t>10</a:t>
+            </a:r>
+            <a:r>
+              <a:rPr lang="ko-KR" altLang="en-US" dirty="0">
+                <a:latin typeface="KoPubWorld돋움체 Light" panose="00000300000000000000" pitchFamily="2" charset="-127"/>
+                <a:ea typeface="KoPubWorld돋움체 Light" panose="00000300000000000000" pitchFamily="2" charset="-127"/>
+                <a:cs typeface="KoPubWorld돋움체 Light" panose="00000300000000000000" pitchFamily="2" charset="-127"/>
+              </a:rPr>
+              <a:t>만회와 </a:t>
+            </a:r>
+            <a:r>
+              <a:rPr lang="en-US" altLang="ko-KR" dirty="0">
+                <a:latin typeface="KoPubWorld돋움체 Light" panose="00000300000000000000" pitchFamily="2" charset="-127"/>
+                <a:ea typeface="KoPubWorld돋움체 Light" panose="00000300000000000000" pitchFamily="2" charset="-127"/>
+                <a:cs typeface="KoPubWorld돋움체 Light" panose="00000300000000000000" pitchFamily="2" charset="-127"/>
+              </a:rPr>
+              <a:t>30</a:t>
+            </a:r>
+            <a:r>
+              <a:rPr lang="ko-KR" altLang="en-US" dirty="0">
+                <a:latin typeface="KoPubWorld돋움체 Light" panose="00000300000000000000" pitchFamily="2" charset="-127"/>
+                <a:ea typeface="KoPubWorld돋움체 Light" panose="00000300000000000000" pitchFamily="2" charset="-127"/>
+                <a:cs typeface="KoPubWorld돋움체 Light" panose="00000300000000000000" pitchFamily="2" charset="-127"/>
+              </a:rPr>
+              <a:t>만회를 비교해보았으나 성능차이는 거의 나타나지 않았음</a:t>
+            </a:r>
+            <a:r>
+              <a:rPr lang="en-US" altLang="ko-KR" dirty="0">
+                <a:latin typeface="KoPubWorld돋움체 Light" panose="00000300000000000000" pitchFamily="2" charset="-127"/>
+                <a:ea typeface="KoPubWorld돋움체 Light" panose="00000300000000000000" pitchFamily="2" charset="-127"/>
+                <a:cs typeface="KoPubWorld돋움체 Light" panose="00000300000000000000" pitchFamily="2" charset="-127"/>
+              </a:rPr>
+              <a:t>.</a:t>
+            </a:r>
+          </a:p>
+          <a:p>
             <a:endParaRPr lang="ko-KR" altLang="en-US" dirty="0">
               <a:latin typeface="KoPubWorld돋움체 Light" panose="00000300000000000000" pitchFamily="2" charset="-127"/>
               <a:ea typeface="KoPubWorld돋움체 Light" panose="00000300000000000000" pitchFamily="2" charset="-127"/>
